--- a/SE PROJECT.pptx
+++ b/SE PROJECT.pptx
@@ -6669,7 +6669,7 @@
           <a:p>
             <a:fld id="{C1446CC2-EC25-4877-9324-8E6B392E2242}" type="datetimeFigureOut">
               <a:rPr lang="en-IN" smtClean="0"/>
-              <a:t>07-08-2022</a:t>
+              <a:t>13-08-2022</a:t>
             </a:fld>
             <a:endParaRPr lang="en-IN"/>
           </a:p>
@@ -6869,7 +6869,7 @@
           <a:p>
             <a:fld id="{C1446CC2-EC25-4877-9324-8E6B392E2242}" type="datetimeFigureOut">
               <a:rPr lang="en-IN" smtClean="0"/>
-              <a:t>07-08-2022</a:t>
+              <a:t>13-08-2022</a:t>
             </a:fld>
             <a:endParaRPr lang="en-IN"/>
           </a:p>
@@ -7079,7 +7079,7 @@
           <a:p>
             <a:fld id="{C1446CC2-EC25-4877-9324-8E6B392E2242}" type="datetimeFigureOut">
               <a:rPr lang="en-IN" smtClean="0"/>
-              <a:t>07-08-2022</a:t>
+              <a:t>13-08-2022</a:t>
             </a:fld>
             <a:endParaRPr lang="en-IN"/>
           </a:p>
@@ -7279,7 +7279,7 @@
           <a:p>
             <a:fld id="{C1446CC2-EC25-4877-9324-8E6B392E2242}" type="datetimeFigureOut">
               <a:rPr lang="en-IN" smtClean="0"/>
-              <a:t>07-08-2022</a:t>
+              <a:t>13-08-2022</a:t>
             </a:fld>
             <a:endParaRPr lang="en-IN"/>
           </a:p>
@@ -7555,7 +7555,7 @@
           <a:p>
             <a:fld id="{C1446CC2-EC25-4877-9324-8E6B392E2242}" type="datetimeFigureOut">
               <a:rPr lang="en-IN" smtClean="0"/>
-              <a:t>07-08-2022</a:t>
+              <a:t>13-08-2022</a:t>
             </a:fld>
             <a:endParaRPr lang="en-IN"/>
           </a:p>
@@ -7823,7 +7823,7 @@
           <a:p>
             <a:fld id="{C1446CC2-EC25-4877-9324-8E6B392E2242}" type="datetimeFigureOut">
               <a:rPr lang="en-IN" smtClean="0"/>
-              <a:t>07-08-2022</a:t>
+              <a:t>13-08-2022</a:t>
             </a:fld>
             <a:endParaRPr lang="en-IN"/>
           </a:p>
@@ -8238,7 +8238,7 @@
           <a:p>
             <a:fld id="{C1446CC2-EC25-4877-9324-8E6B392E2242}" type="datetimeFigureOut">
               <a:rPr lang="en-IN" smtClean="0"/>
-              <a:t>07-08-2022</a:t>
+              <a:t>13-08-2022</a:t>
             </a:fld>
             <a:endParaRPr lang="en-IN"/>
           </a:p>
@@ -8380,7 +8380,7 @@
           <a:p>
             <a:fld id="{C1446CC2-EC25-4877-9324-8E6B392E2242}" type="datetimeFigureOut">
               <a:rPr lang="en-IN" smtClean="0"/>
-              <a:t>07-08-2022</a:t>
+              <a:t>13-08-2022</a:t>
             </a:fld>
             <a:endParaRPr lang="en-IN"/>
           </a:p>
@@ -8493,7 +8493,7 @@
           <a:p>
             <a:fld id="{C1446CC2-EC25-4877-9324-8E6B392E2242}" type="datetimeFigureOut">
               <a:rPr lang="en-IN" smtClean="0"/>
-              <a:t>07-08-2022</a:t>
+              <a:t>13-08-2022</a:t>
             </a:fld>
             <a:endParaRPr lang="en-IN"/>
           </a:p>
@@ -8806,7 +8806,7 @@
           <a:p>
             <a:fld id="{C1446CC2-EC25-4877-9324-8E6B392E2242}" type="datetimeFigureOut">
               <a:rPr lang="en-IN" smtClean="0"/>
-              <a:t>07-08-2022</a:t>
+              <a:t>13-08-2022</a:t>
             </a:fld>
             <a:endParaRPr lang="en-IN"/>
           </a:p>
@@ -9095,7 +9095,7 @@
           <a:p>
             <a:fld id="{C1446CC2-EC25-4877-9324-8E6B392E2242}" type="datetimeFigureOut">
               <a:rPr lang="en-IN" smtClean="0"/>
-              <a:t>07-08-2022</a:t>
+              <a:t>13-08-2022</a:t>
             </a:fld>
             <a:endParaRPr lang="en-IN"/>
           </a:p>
@@ -9338,7 +9338,7 @@
           <a:p>
             <a:fld id="{C1446CC2-EC25-4877-9324-8E6B392E2242}" type="datetimeFigureOut">
               <a:rPr lang="en-IN" smtClean="0"/>
-              <a:t>07-08-2022</a:t>
+              <a:t>13-08-2022</a:t>
             </a:fld>
             <a:endParaRPr lang="en-IN"/>
           </a:p>
@@ -9810,7 +9810,7 @@
                   </a:schemeClr>
                 </a:solidFill>
               </a:rPr>
-              <a:t>(DBMS)</a:t>
+              <a:t>(SE)</a:t>
             </a:r>
             <a:endParaRPr lang="en-IN" sz="4000" dirty="0">
               <a:solidFill>
@@ -9911,6 +9911,16 @@
           </a:p>
           <a:p>
             <a:r>
+              <a:rPr lang="en-IN" dirty="0" err="1">
+                <a:solidFill>
+                  <a:schemeClr val="accent6">
+                    <a:lumMod val="75000"/>
+                  </a:schemeClr>
+                </a:solidFill>
+              </a:rPr>
+              <a:t>Dr.</a:t>
+            </a:r>
+            <a:r>
               <a:rPr lang="en-IN" dirty="0">
                 <a:solidFill>
                   <a:schemeClr val="accent6">
@@ -9918,7 +9928,7 @@
                   </a:schemeClr>
                 </a:solidFill>
               </a:rPr>
-              <a:t>SREE LAKSHMI</a:t>
+              <a:t> Sheikh Fahad Ahmad</a:t>
             </a:r>
           </a:p>
           <a:p>
@@ -10688,6 +10698,41 @@
           </a:prstGeom>
         </p:spPr>
       </p:pic>
+      <p:sp>
+        <p:nvSpPr>
+          <p:cNvPr id="4" name="TextBox 3">
+            <a:extLst>
+              <a:ext uri="{FF2B5EF4-FFF2-40B4-BE49-F238E27FC236}">
+                <a16:creationId xmlns:a16="http://schemas.microsoft.com/office/drawing/2014/main" id="{09F93EE0-56F7-AE56-15B2-FED294133677}"/>
+              </a:ext>
+            </a:extLst>
+          </p:cNvPr>
+          <p:cNvSpPr txBox="1"/>
+          <p:nvPr/>
+        </p:nvSpPr>
+        <p:spPr>
+          <a:xfrm>
+            <a:off x="3854823" y="413543"/>
+            <a:ext cx="6096000" cy="369332"/>
+          </a:xfrm>
+          <a:prstGeom prst="rect">
+            <a:avLst/>
+          </a:prstGeom>
+          <a:noFill/>
+        </p:spPr>
+        <p:txBody>
+          <a:bodyPr wrap="square">
+            <a:spAutoFit/>
+          </a:bodyPr>
+          <a:lstStyle/>
+          <a:p>
+            <a:r>
+              <a:rPr lang="en-IN" dirty="0"/>
+              <a:t>https://github.com/bhanu1492/SE-Project</a:t>
+            </a:r>
+          </a:p>
+        </p:txBody>
+      </p:sp>
     </p:spTree>
     <p:extLst>
       <p:ext uri="{BB962C8B-B14F-4D97-AF65-F5344CB8AC3E}">
